--- a/PPT/5조 발표(5차).pptx
+++ b/PPT/5조 발표(5차).pptx
@@ -217,7 +217,7 @@
           <a:p>
             <a:fld id="{58A31AF8-8D8E-452A-ADA1-78E1E94FF56B}" type="datetimeFigureOut">
               <a:rPr lang="ko-KR" altLang="en-US" smtClean="0"/>
-              <a:t>2019-05-29</a:t>
+              <a:t>2019-05-30</a:t>
             </a:fld>
             <a:endParaRPr lang="ko-KR" altLang="en-US"/>
           </a:p>
@@ -2430,7 +2430,7 @@
           <a:p>
             <a:fld id="{FE2CF7A5-AB7A-4922-816B-9FFE83888108}" type="datetimeFigureOut">
               <a:rPr lang="ko-KR" altLang="en-US" smtClean="0"/>
-              <a:t>2019-05-29</a:t>
+              <a:t>2019-05-30</a:t>
             </a:fld>
             <a:endParaRPr lang="ko-KR" altLang="en-US"/>
           </a:p>
@@ -2600,7 +2600,7 @@
           <a:p>
             <a:fld id="{FE2CF7A5-AB7A-4922-816B-9FFE83888108}" type="datetimeFigureOut">
               <a:rPr lang="ko-KR" altLang="en-US" smtClean="0"/>
-              <a:t>2019-05-29</a:t>
+              <a:t>2019-05-30</a:t>
             </a:fld>
             <a:endParaRPr lang="ko-KR" altLang="en-US"/>
           </a:p>
@@ -2780,7 +2780,7 @@
           <a:p>
             <a:fld id="{FE2CF7A5-AB7A-4922-816B-9FFE83888108}" type="datetimeFigureOut">
               <a:rPr lang="ko-KR" altLang="en-US" smtClean="0"/>
-              <a:t>2019-05-29</a:t>
+              <a:t>2019-05-30</a:t>
             </a:fld>
             <a:endParaRPr lang="ko-KR" altLang="en-US"/>
           </a:p>
@@ -2950,7 +2950,7 @@
           <a:p>
             <a:fld id="{FE2CF7A5-AB7A-4922-816B-9FFE83888108}" type="datetimeFigureOut">
               <a:rPr lang="ko-KR" altLang="en-US" smtClean="0"/>
-              <a:t>2019-05-29</a:t>
+              <a:t>2019-05-30</a:t>
             </a:fld>
             <a:endParaRPr lang="ko-KR" altLang="en-US"/>
           </a:p>
@@ -3196,7 +3196,7 @@
           <a:p>
             <a:fld id="{FE2CF7A5-AB7A-4922-816B-9FFE83888108}" type="datetimeFigureOut">
               <a:rPr lang="ko-KR" altLang="en-US" smtClean="0"/>
-              <a:t>2019-05-29</a:t>
+              <a:t>2019-05-30</a:t>
             </a:fld>
             <a:endParaRPr lang="ko-KR" altLang="en-US"/>
           </a:p>
@@ -3484,7 +3484,7 @@
           <a:p>
             <a:fld id="{FE2CF7A5-AB7A-4922-816B-9FFE83888108}" type="datetimeFigureOut">
               <a:rPr lang="ko-KR" altLang="en-US" smtClean="0"/>
-              <a:t>2019-05-29</a:t>
+              <a:t>2019-05-30</a:t>
             </a:fld>
             <a:endParaRPr lang="ko-KR" altLang="en-US"/>
           </a:p>
@@ -3906,7 +3906,7 @@
           <a:p>
             <a:fld id="{FE2CF7A5-AB7A-4922-816B-9FFE83888108}" type="datetimeFigureOut">
               <a:rPr lang="ko-KR" altLang="en-US" smtClean="0"/>
-              <a:t>2019-05-29</a:t>
+              <a:t>2019-05-30</a:t>
             </a:fld>
             <a:endParaRPr lang="ko-KR" altLang="en-US"/>
           </a:p>
@@ -4024,7 +4024,7 @@
           <a:p>
             <a:fld id="{FE2CF7A5-AB7A-4922-816B-9FFE83888108}" type="datetimeFigureOut">
               <a:rPr lang="ko-KR" altLang="en-US" smtClean="0"/>
-              <a:t>2019-05-29</a:t>
+              <a:t>2019-05-30</a:t>
             </a:fld>
             <a:endParaRPr lang="ko-KR" altLang="en-US"/>
           </a:p>
@@ -4119,7 +4119,7 @@
           <a:p>
             <a:fld id="{FE2CF7A5-AB7A-4922-816B-9FFE83888108}" type="datetimeFigureOut">
               <a:rPr lang="ko-KR" altLang="en-US" smtClean="0"/>
-              <a:t>2019-05-29</a:t>
+              <a:t>2019-05-30</a:t>
             </a:fld>
             <a:endParaRPr lang="ko-KR" altLang="en-US"/>
           </a:p>
@@ -4396,7 +4396,7 @@
           <a:p>
             <a:fld id="{FE2CF7A5-AB7A-4922-816B-9FFE83888108}" type="datetimeFigureOut">
               <a:rPr lang="ko-KR" altLang="en-US" smtClean="0"/>
-              <a:t>2019-05-29</a:t>
+              <a:t>2019-05-30</a:t>
             </a:fld>
             <a:endParaRPr lang="ko-KR" altLang="en-US"/>
           </a:p>
@@ -4649,7 +4649,7 @@
           <a:p>
             <a:fld id="{FE2CF7A5-AB7A-4922-816B-9FFE83888108}" type="datetimeFigureOut">
               <a:rPr lang="ko-KR" altLang="en-US" smtClean="0"/>
-              <a:t>2019-05-29</a:t>
+              <a:t>2019-05-30</a:t>
             </a:fld>
             <a:endParaRPr lang="ko-KR" altLang="en-US"/>
           </a:p>
@@ -4862,7 +4862,7 @@
           <a:p>
             <a:fld id="{FE2CF7A5-AB7A-4922-816B-9FFE83888108}" type="datetimeFigureOut">
               <a:rPr lang="ko-KR" altLang="en-US" smtClean="0"/>
-              <a:t>2019-05-29</a:t>
+              <a:t>2019-05-30</a:t>
             </a:fld>
             <a:endParaRPr lang="ko-KR" altLang="en-US"/>
           </a:p>
@@ -9096,92 +9096,6 @@
           </a:p>
         </p:txBody>
       </p:sp>
-      <p:grpSp>
-        <p:nvGrpSpPr>
-          <p:cNvPr id="37" name="그룹 36"/>
-          <p:cNvGrpSpPr/>
-          <p:nvPr/>
-        </p:nvGrpSpPr>
-        <p:grpSpPr>
-          <a:xfrm>
-            <a:off x="6723774" y="1988840"/>
-            <a:ext cx="1440000" cy="1440000"/>
-            <a:chOff x="6723774" y="1988840"/>
-            <a:chExt cx="1440000" cy="1440000"/>
-          </a:xfrm>
-        </p:grpSpPr>
-        <p:pic>
-          <p:nvPicPr>
-            <p:cNvPr id="38" name="Picture 8" descr="php iconì ëí ì´ë¯¸ì§ ê²ìê²°ê³¼"/>
-            <p:cNvPicPr>
-              <a:picLocks noChangeAspect="1" noChangeArrowheads="1"/>
-            </p:cNvPicPr>
-            <p:nvPr/>
-          </p:nvPicPr>
-          <p:blipFill>
-            <a:blip r:embed="rId4">
-              <a:extLst>
-                <a:ext uri="{28A0092B-C50C-407E-A947-70E740481C1C}">
-                  <a14:useLocalDpi xmlns:a14="http://schemas.microsoft.com/office/drawing/2010/main" val="0"/>
-                </a:ext>
-              </a:extLst>
-            </a:blip>
-            <a:srcRect/>
-            <a:stretch>
-              <a:fillRect/>
-            </a:stretch>
-          </p:blipFill>
-          <p:spPr bwMode="auto">
-            <a:xfrm>
-              <a:off x="6723774" y="1988840"/>
-              <a:ext cx="1440000" cy="1440000"/>
-            </a:xfrm>
-            <a:prstGeom prst="rect">
-              <a:avLst/>
-            </a:prstGeom>
-            <a:noFill/>
-            <a:extLst>
-              <a:ext uri="{909E8E84-426E-40DD-AFC4-6F175D3DCCD1}">
-                <a14:hiddenFill xmlns:a14="http://schemas.microsoft.com/office/drawing/2010/main">
-                  <a:solidFill>
-                    <a:srgbClr val="FFFFFF"/>
-                  </a:solidFill>
-                </a14:hiddenFill>
-              </a:ext>
-            </a:extLst>
-          </p:spPr>
-        </p:pic>
-        <p:sp>
-          <p:nvSpPr>
-            <p:cNvPr id="39" name="TextBox 38"/>
-            <p:cNvSpPr txBox="1"/>
-            <p:nvPr/>
-          </p:nvSpPr>
-          <p:spPr>
-            <a:xfrm>
-              <a:off x="7186741" y="2276872"/>
-              <a:ext cx="697627" cy="369332"/>
-            </a:xfrm>
-            <a:prstGeom prst="rect">
-              <a:avLst/>
-            </a:prstGeom>
-            <a:noFill/>
-          </p:spPr>
-          <p:txBody>
-            <a:bodyPr wrap="none" rtlCol="0">
-              <a:spAutoFit/>
-            </a:bodyPr>
-            <a:lstStyle/>
-            <a:p>
-              <a:r>
-                <a:rPr lang="en-US" altLang="ko-KR" dirty="0" smtClean="0"/>
-                <a:t>main</a:t>
-              </a:r>
-              <a:endParaRPr lang="ko-KR" altLang="en-US" dirty="0"/>
-            </a:p>
-          </p:txBody>
-        </p:sp>
-      </p:grpSp>
       <p:sp>
         <p:nvSpPr>
           <p:cNvPr id="3" name="TextBox 2"/>
@@ -9347,7 +9261,7 @@
           <p:nvPr/>
         </p:nvPicPr>
         <p:blipFill>
-          <a:blip r:embed="rId5">
+          <a:blip r:embed="rId4">
             <a:extLst>
               <a:ext uri="{28A0092B-C50C-407E-A947-70E740481C1C}">
                 <a14:useLocalDpi xmlns:a14="http://schemas.microsoft.com/office/drawing/2010/main" val="0"/>
@@ -9402,6 +9316,177 @@
           </a:extLst>
         </p:spPr>
       </p:pic>
+      <p:grpSp>
+        <p:nvGrpSpPr>
+          <p:cNvPr id="15" name="그룹 14"/>
+          <p:cNvGrpSpPr/>
+          <p:nvPr/>
+        </p:nvGrpSpPr>
+        <p:grpSpPr>
+          <a:xfrm>
+            <a:off x="6372360" y="1989000"/>
+            <a:ext cx="1791414" cy="1943896"/>
+            <a:chOff x="6372360" y="1989000"/>
+            <a:chExt cx="1791414" cy="1943896"/>
+          </a:xfrm>
+        </p:grpSpPr>
+        <p:pic>
+          <p:nvPicPr>
+            <p:cNvPr id="16" name="Picture 8"/>
+            <p:cNvPicPr>
+              <a:picLocks noChangeAspect="1" noChangeArrowheads="1"/>
+            </p:cNvPicPr>
+            <p:nvPr/>
+          </p:nvPicPr>
+          <p:blipFill>
+            <a:blip r:embed="rId5" cstate="print">
+              <a:extLst>
+                <a:ext uri="{BEBA8EAE-BF5A-486C-A8C5-ECC9F3942E4B}">
+                  <a14:imgProps xmlns:a14="http://schemas.microsoft.com/office/drawing/2010/main">
+                    <a14:imgLayer r:embed="rId6">
+                      <a14:imgEffect>
+                        <a14:backgroundRemoval t="0" b="100000" l="0" r="100000"/>
+                      </a14:imgEffect>
+                    </a14:imgLayer>
+                  </a14:imgProps>
+                </a:ext>
+                <a:ext uri="{28A0092B-C50C-407E-A947-70E740481C1C}">
+                  <a14:useLocalDpi xmlns:a14="http://schemas.microsoft.com/office/drawing/2010/main" val="0"/>
+                </a:ext>
+              </a:extLst>
+            </a:blip>
+            <a:srcRect/>
+            <a:stretch>
+              <a:fillRect/>
+            </a:stretch>
+          </p:blipFill>
+          <p:spPr bwMode="auto">
+            <a:xfrm flipH="1">
+              <a:off x="6723774" y="1989000"/>
+              <a:ext cx="1440000" cy="1440000"/>
+            </a:xfrm>
+            <a:prstGeom prst="rect">
+              <a:avLst/>
+            </a:prstGeom>
+            <a:noFill/>
+            <a:ln>
+              <a:noFill/>
+            </a:ln>
+            <a:effectLst/>
+            <a:extLst>
+              <a:ext uri="{909E8E84-426E-40DD-AFC4-6F175D3DCCD1}">
+                <a14:hiddenFill xmlns:a14="http://schemas.microsoft.com/office/drawing/2010/main">
+                  <a:solidFill>
+                    <a:schemeClr val="accent1"/>
+                  </a:solidFill>
+                </a14:hiddenFill>
+              </a:ext>
+              <a:ext uri="{91240B29-F687-4F45-9708-019B960494DF}">
+                <a14:hiddenLine xmlns:a14="http://schemas.microsoft.com/office/drawing/2010/main" w="9525">
+                  <a:solidFill>
+                    <a:schemeClr val="tx1"/>
+                  </a:solidFill>
+                  <a:miter lim="800000"/>
+                  <a:headEnd/>
+                  <a:tailEnd/>
+                </a14:hiddenLine>
+              </a:ext>
+              <a:ext uri="{AF507438-7753-43E0-B8FC-AC1667EBCBE1}">
+                <a14:hiddenEffects xmlns:a14="http://schemas.microsoft.com/office/drawing/2010/main">
+                  <a:effectLst>
+                    <a:outerShdw dist="35921" dir="2700000" algn="ctr" rotWithShape="0">
+                      <a:schemeClr val="bg2"/>
+                    </a:outerShdw>
+                  </a:effectLst>
+                </a14:hiddenEffects>
+              </a:ext>
+            </a:extLst>
+          </p:spPr>
+        </p:pic>
+        <p:pic>
+          <p:nvPicPr>
+            <p:cNvPr id="17" name="Picture 8" descr="php iconì ëí ì´ë¯¸ì§ ê²ìê²°ê³¼"/>
+            <p:cNvPicPr>
+              <a:picLocks noChangeAspect="1" noChangeArrowheads="1"/>
+            </p:cNvPicPr>
+            <p:nvPr/>
+          </p:nvPicPr>
+          <p:blipFill>
+            <a:blip r:embed="rId7">
+              <a:extLst>
+                <a:ext uri="{BEBA8EAE-BF5A-486C-A8C5-ECC9F3942E4B}">
+                  <a14:imgProps xmlns:a14="http://schemas.microsoft.com/office/drawing/2010/main">
+                    <a14:imgLayer r:embed="rId8">
+                      <a14:imgEffect>
+                        <a14:backgroundRemoval t="0" b="100000" l="0" r="100000">
+                          <a14:foregroundMark x1="13333" y1="54222" x2="15556" y2="79111"/>
+                          <a14:foregroundMark x1="14222" y1="68444" x2="75556" y2="63556"/>
+                        </a14:backgroundRemoval>
+                      </a14:imgEffect>
+                    </a14:imgLayer>
+                  </a14:imgProps>
+                </a:ext>
+                <a:ext uri="{28A0092B-C50C-407E-A947-70E740481C1C}">
+                  <a14:useLocalDpi xmlns:a14="http://schemas.microsoft.com/office/drawing/2010/main" val="0"/>
+                </a:ext>
+              </a:extLst>
+            </a:blip>
+            <a:srcRect/>
+            <a:stretch>
+              <a:fillRect/>
+            </a:stretch>
+          </p:blipFill>
+          <p:spPr bwMode="auto">
+            <a:xfrm>
+              <a:off x="6372360" y="2492896"/>
+              <a:ext cx="1440000" cy="1440000"/>
+            </a:xfrm>
+            <a:prstGeom prst="rect">
+              <a:avLst/>
+            </a:prstGeom>
+            <a:noFill/>
+            <a:extLst>
+              <a:ext uri="{909E8E84-426E-40DD-AFC4-6F175D3DCCD1}">
+                <a14:hiddenFill xmlns:a14="http://schemas.microsoft.com/office/drawing/2010/main">
+                  <a:solidFill>
+                    <a:srgbClr val="FFFFFF"/>
+                  </a:solidFill>
+                </a14:hiddenFill>
+              </a:ext>
+            </a:extLst>
+          </p:spPr>
+        </p:pic>
+        <p:sp>
+          <p:nvSpPr>
+            <p:cNvPr id="18" name="TextBox 17"/>
+            <p:cNvSpPr txBox="1"/>
+            <p:nvPr/>
+          </p:nvSpPr>
+          <p:spPr>
+            <a:xfrm>
+              <a:off x="6835327" y="2780928"/>
+              <a:ext cx="697627" cy="369332"/>
+            </a:xfrm>
+            <a:prstGeom prst="rect">
+              <a:avLst/>
+            </a:prstGeom>
+            <a:noFill/>
+          </p:spPr>
+          <p:txBody>
+            <a:bodyPr wrap="none" rtlCol="0">
+              <a:spAutoFit/>
+            </a:bodyPr>
+            <a:lstStyle/>
+            <a:p>
+              <a:r>
+                <a:rPr lang="en-US" altLang="ko-KR" dirty="0" smtClean="0"/>
+                <a:t>main</a:t>
+              </a:r>
+              <a:endParaRPr lang="ko-KR" altLang="en-US" dirty="0"/>
+            </a:p>
+          </p:txBody>
+        </p:sp>
+      </p:grpSp>
     </p:spTree>
     <p:extLst>
       <p:ext uri="{BB962C8B-B14F-4D97-AF65-F5344CB8AC3E}">
@@ -9640,92 +9725,6 @@
           </a:p>
         </p:txBody>
       </p:sp>
-      <p:grpSp>
-        <p:nvGrpSpPr>
-          <p:cNvPr id="37" name="그룹 36"/>
-          <p:cNvGrpSpPr/>
-          <p:nvPr/>
-        </p:nvGrpSpPr>
-        <p:grpSpPr>
-          <a:xfrm>
-            <a:off x="6723774" y="1988840"/>
-            <a:ext cx="1440000" cy="1440000"/>
-            <a:chOff x="6723774" y="1988840"/>
-            <a:chExt cx="1440000" cy="1440000"/>
-          </a:xfrm>
-        </p:grpSpPr>
-        <p:pic>
-          <p:nvPicPr>
-            <p:cNvPr id="38" name="Picture 8" descr="php iconì ëí ì´ë¯¸ì§ ê²ìê²°ê³¼"/>
-            <p:cNvPicPr>
-              <a:picLocks noChangeAspect="1" noChangeArrowheads="1"/>
-            </p:cNvPicPr>
-            <p:nvPr/>
-          </p:nvPicPr>
-          <p:blipFill>
-            <a:blip r:embed="rId3">
-              <a:extLst>
-                <a:ext uri="{28A0092B-C50C-407E-A947-70E740481C1C}">
-                  <a14:useLocalDpi xmlns:a14="http://schemas.microsoft.com/office/drawing/2010/main" val="0"/>
-                </a:ext>
-              </a:extLst>
-            </a:blip>
-            <a:srcRect/>
-            <a:stretch>
-              <a:fillRect/>
-            </a:stretch>
-          </p:blipFill>
-          <p:spPr bwMode="auto">
-            <a:xfrm>
-              <a:off x="6723774" y="1988840"/>
-              <a:ext cx="1440000" cy="1440000"/>
-            </a:xfrm>
-            <a:prstGeom prst="rect">
-              <a:avLst/>
-            </a:prstGeom>
-            <a:noFill/>
-            <a:extLst>
-              <a:ext uri="{909E8E84-426E-40DD-AFC4-6F175D3DCCD1}">
-                <a14:hiddenFill xmlns:a14="http://schemas.microsoft.com/office/drawing/2010/main">
-                  <a:solidFill>
-                    <a:srgbClr val="FFFFFF"/>
-                  </a:solidFill>
-                </a14:hiddenFill>
-              </a:ext>
-            </a:extLst>
-          </p:spPr>
-        </p:pic>
-        <p:sp>
-          <p:nvSpPr>
-            <p:cNvPr id="39" name="TextBox 38"/>
-            <p:cNvSpPr txBox="1"/>
-            <p:nvPr/>
-          </p:nvSpPr>
-          <p:spPr>
-            <a:xfrm>
-              <a:off x="7186741" y="2276872"/>
-              <a:ext cx="697627" cy="369332"/>
-            </a:xfrm>
-            <a:prstGeom prst="rect">
-              <a:avLst/>
-            </a:prstGeom>
-            <a:noFill/>
-          </p:spPr>
-          <p:txBody>
-            <a:bodyPr wrap="none" rtlCol="0">
-              <a:spAutoFit/>
-            </a:bodyPr>
-            <a:lstStyle/>
-            <a:p>
-              <a:r>
-                <a:rPr lang="en-US" altLang="ko-KR" dirty="0" smtClean="0"/>
-                <a:t>main</a:t>
-              </a:r>
-              <a:endParaRPr lang="ko-KR" altLang="en-US" dirty="0"/>
-            </a:p>
-          </p:txBody>
-        </p:sp>
-      </p:grpSp>
       <p:sp>
         <p:nvSpPr>
           <p:cNvPr id="15" name="아래쪽 화살표 14"/>
@@ -9863,7 +9862,7 @@
           <p:nvPr/>
         </p:nvPicPr>
         <p:blipFill>
-          <a:blip r:embed="rId4">
+          <a:blip r:embed="rId3">
             <a:extLst>
               <a:ext uri="{28A0092B-C50C-407E-A947-70E740481C1C}">
                 <a14:useLocalDpi xmlns:a14="http://schemas.microsoft.com/office/drawing/2010/main" val="0"/>
@@ -9927,7 +9926,7 @@
           <p:nvPr/>
         </p:nvPicPr>
         <p:blipFill>
-          <a:blip r:embed="rId5">
+          <a:blip r:embed="rId4">
             <a:extLst>
               <a:ext uri="{28A0092B-C50C-407E-A947-70E740481C1C}">
                 <a14:useLocalDpi xmlns:a14="http://schemas.microsoft.com/office/drawing/2010/main" val="0"/>
@@ -9991,7 +9990,7 @@
           <p:nvPr/>
         </p:nvPicPr>
         <p:blipFill>
-          <a:blip r:embed="rId6">
+          <a:blip r:embed="rId5">
             <a:extLst>
               <a:ext uri="{28A0092B-C50C-407E-A947-70E740481C1C}">
                 <a14:useLocalDpi xmlns:a14="http://schemas.microsoft.com/office/drawing/2010/main" val="0"/>
@@ -10046,6 +10045,177 @@
           </a:extLst>
         </p:spPr>
       </p:pic>
+      <p:grpSp>
+        <p:nvGrpSpPr>
+          <p:cNvPr id="3" name="그룹 2"/>
+          <p:cNvGrpSpPr/>
+          <p:nvPr/>
+        </p:nvGrpSpPr>
+        <p:grpSpPr>
+          <a:xfrm>
+            <a:off x="6372360" y="1989000"/>
+            <a:ext cx="1791414" cy="1943896"/>
+            <a:chOff x="6372360" y="1989000"/>
+            <a:chExt cx="1791414" cy="1943896"/>
+          </a:xfrm>
+        </p:grpSpPr>
+        <p:pic>
+          <p:nvPicPr>
+            <p:cNvPr id="21" name="Picture 8"/>
+            <p:cNvPicPr>
+              <a:picLocks noChangeAspect="1" noChangeArrowheads="1"/>
+            </p:cNvPicPr>
+            <p:nvPr/>
+          </p:nvPicPr>
+          <p:blipFill>
+            <a:blip r:embed="rId6" cstate="print">
+              <a:extLst>
+                <a:ext uri="{BEBA8EAE-BF5A-486C-A8C5-ECC9F3942E4B}">
+                  <a14:imgProps xmlns:a14="http://schemas.microsoft.com/office/drawing/2010/main">
+                    <a14:imgLayer r:embed="rId7">
+                      <a14:imgEffect>
+                        <a14:backgroundRemoval t="0" b="100000" l="0" r="100000"/>
+                      </a14:imgEffect>
+                    </a14:imgLayer>
+                  </a14:imgProps>
+                </a:ext>
+                <a:ext uri="{28A0092B-C50C-407E-A947-70E740481C1C}">
+                  <a14:useLocalDpi xmlns:a14="http://schemas.microsoft.com/office/drawing/2010/main" val="0"/>
+                </a:ext>
+              </a:extLst>
+            </a:blip>
+            <a:srcRect/>
+            <a:stretch>
+              <a:fillRect/>
+            </a:stretch>
+          </p:blipFill>
+          <p:spPr bwMode="auto">
+            <a:xfrm flipH="1">
+              <a:off x="6723774" y="1989000"/>
+              <a:ext cx="1440000" cy="1440000"/>
+            </a:xfrm>
+            <a:prstGeom prst="rect">
+              <a:avLst/>
+            </a:prstGeom>
+            <a:noFill/>
+            <a:ln>
+              <a:noFill/>
+            </a:ln>
+            <a:effectLst/>
+            <a:extLst>
+              <a:ext uri="{909E8E84-426E-40DD-AFC4-6F175D3DCCD1}">
+                <a14:hiddenFill xmlns:a14="http://schemas.microsoft.com/office/drawing/2010/main">
+                  <a:solidFill>
+                    <a:schemeClr val="accent1"/>
+                  </a:solidFill>
+                </a14:hiddenFill>
+              </a:ext>
+              <a:ext uri="{91240B29-F687-4F45-9708-019B960494DF}">
+                <a14:hiddenLine xmlns:a14="http://schemas.microsoft.com/office/drawing/2010/main" w="9525">
+                  <a:solidFill>
+                    <a:schemeClr val="tx1"/>
+                  </a:solidFill>
+                  <a:miter lim="800000"/>
+                  <a:headEnd/>
+                  <a:tailEnd/>
+                </a14:hiddenLine>
+              </a:ext>
+              <a:ext uri="{AF507438-7753-43E0-B8FC-AC1667EBCBE1}">
+                <a14:hiddenEffects xmlns:a14="http://schemas.microsoft.com/office/drawing/2010/main">
+                  <a:effectLst>
+                    <a:outerShdw dist="35921" dir="2700000" algn="ctr" rotWithShape="0">
+                      <a:schemeClr val="bg2"/>
+                    </a:outerShdw>
+                  </a:effectLst>
+                </a14:hiddenEffects>
+              </a:ext>
+            </a:extLst>
+          </p:spPr>
+        </p:pic>
+        <p:pic>
+          <p:nvPicPr>
+            <p:cNvPr id="38" name="Picture 8" descr="php iconì ëí ì´ë¯¸ì§ ê²ìê²°ê³¼"/>
+            <p:cNvPicPr>
+              <a:picLocks noChangeAspect="1" noChangeArrowheads="1"/>
+            </p:cNvPicPr>
+            <p:nvPr/>
+          </p:nvPicPr>
+          <p:blipFill>
+            <a:blip r:embed="rId8">
+              <a:extLst>
+                <a:ext uri="{BEBA8EAE-BF5A-486C-A8C5-ECC9F3942E4B}">
+                  <a14:imgProps xmlns:a14="http://schemas.microsoft.com/office/drawing/2010/main">
+                    <a14:imgLayer r:embed="rId9">
+                      <a14:imgEffect>
+                        <a14:backgroundRemoval t="0" b="100000" l="0" r="100000">
+                          <a14:foregroundMark x1="13333" y1="54222" x2="15556" y2="79111"/>
+                          <a14:foregroundMark x1="14222" y1="68444" x2="75556" y2="63556"/>
+                        </a14:backgroundRemoval>
+                      </a14:imgEffect>
+                    </a14:imgLayer>
+                  </a14:imgProps>
+                </a:ext>
+                <a:ext uri="{28A0092B-C50C-407E-A947-70E740481C1C}">
+                  <a14:useLocalDpi xmlns:a14="http://schemas.microsoft.com/office/drawing/2010/main" val="0"/>
+                </a:ext>
+              </a:extLst>
+            </a:blip>
+            <a:srcRect/>
+            <a:stretch>
+              <a:fillRect/>
+            </a:stretch>
+          </p:blipFill>
+          <p:spPr bwMode="auto">
+            <a:xfrm>
+              <a:off x="6372360" y="2492896"/>
+              <a:ext cx="1440000" cy="1440000"/>
+            </a:xfrm>
+            <a:prstGeom prst="rect">
+              <a:avLst/>
+            </a:prstGeom>
+            <a:noFill/>
+            <a:extLst>
+              <a:ext uri="{909E8E84-426E-40DD-AFC4-6F175D3DCCD1}">
+                <a14:hiddenFill xmlns:a14="http://schemas.microsoft.com/office/drawing/2010/main">
+                  <a:solidFill>
+                    <a:srgbClr val="FFFFFF"/>
+                  </a:solidFill>
+                </a14:hiddenFill>
+              </a:ext>
+            </a:extLst>
+          </p:spPr>
+        </p:pic>
+        <p:sp>
+          <p:nvSpPr>
+            <p:cNvPr id="39" name="TextBox 38"/>
+            <p:cNvSpPr txBox="1"/>
+            <p:nvPr/>
+          </p:nvSpPr>
+          <p:spPr>
+            <a:xfrm>
+              <a:off x="6835327" y="2780928"/>
+              <a:ext cx="697627" cy="369332"/>
+            </a:xfrm>
+            <a:prstGeom prst="rect">
+              <a:avLst/>
+            </a:prstGeom>
+            <a:noFill/>
+          </p:spPr>
+          <p:txBody>
+            <a:bodyPr wrap="none" rtlCol="0">
+              <a:spAutoFit/>
+            </a:bodyPr>
+            <a:lstStyle/>
+            <a:p>
+              <a:r>
+                <a:rPr lang="en-US" altLang="ko-KR" dirty="0" smtClean="0"/>
+                <a:t>main</a:t>
+              </a:r>
+              <a:endParaRPr lang="ko-KR" altLang="en-US" dirty="0"/>
+            </a:p>
+          </p:txBody>
+        </p:sp>
+      </p:grpSp>
     </p:spTree>
     <p:extLst>
       <p:ext uri="{BB962C8B-B14F-4D97-AF65-F5344CB8AC3E}">
@@ -12730,18 +12900,147 @@
       </p:sp>
       <p:grpSp>
         <p:nvGrpSpPr>
-          <p:cNvPr id="2" name="그룹 1"/>
+          <p:cNvPr id="10" name="그룹 9"/>
           <p:cNvGrpSpPr/>
           <p:nvPr/>
         </p:nvGrpSpPr>
         <p:grpSpPr>
           <a:xfrm>
-            <a:off x="1043608" y="1989000"/>
-            <a:ext cx="1439999" cy="1942315"/>
-            <a:chOff x="971600" y="1989000"/>
-            <a:chExt cx="1439999" cy="1942315"/>
+            <a:off x="977317" y="1989000"/>
+            <a:ext cx="1794322" cy="2302355"/>
+            <a:chOff x="977317" y="1989000"/>
+            <a:chExt cx="1794322" cy="2302355"/>
           </a:xfrm>
         </p:grpSpPr>
+        <p:grpSp>
+          <p:nvGrpSpPr>
+            <p:cNvPr id="9" name="그룹 8"/>
+            <p:cNvGrpSpPr/>
+            <p:nvPr/>
+          </p:nvGrpSpPr>
+          <p:grpSpPr>
+            <a:xfrm>
+              <a:off x="977317" y="1989000"/>
+              <a:ext cx="1794322" cy="1799880"/>
+              <a:chOff x="977317" y="1989000"/>
+              <a:chExt cx="1794322" cy="1799880"/>
+            </a:xfrm>
+          </p:grpSpPr>
+          <p:pic>
+            <p:nvPicPr>
+              <p:cNvPr id="1032" name="Picture 8"/>
+              <p:cNvPicPr>
+                <a:picLocks noChangeAspect="1" noChangeArrowheads="1"/>
+              </p:cNvPicPr>
+              <p:nvPr/>
+            </p:nvPicPr>
+            <p:blipFill>
+              <a:blip r:embed="rId3" cstate="print">
+                <a:extLst>
+                  <a:ext uri="{BEBA8EAE-BF5A-486C-A8C5-ECC9F3942E4B}">
+                    <a14:imgProps xmlns:a14="http://schemas.microsoft.com/office/drawing/2010/main">
+                      <a14:imgLayer r:embed="rId4">
+                        <a14:imgEffect>
+                          <a14:backgroundRemoval t="0" b="100000" l="0" r="100000"/>
+                        </a14:imgEffect>
+                      </a14:imgLayer>
+                    </a14:imgProps>
+                  </a:ext>
+                  <a:ext uri="{28A0092B-C50C-407E-A947-70E740481C1C}">
+                    <a14:useLocalDpi xmlns:a14="http://schemas.microsoft.com/office/drawing/2010/main" val="0"/>
+                  </a:ext>
+                </a:extLst>
+              </a:blip>
+              <a:srcRect/>
+              <a:stretch>
+                <a:fillRect/>
+              </a:stretch>
+            </p:blipFill>
+            <p:spPr bwMode="auto">
+              <a:xfrm>
+                <a:off x="977317" y="1989000"/>
+                <a:ext cx="1440000" cy="1440000"/>
+              </a:xfrm>
+              <a:prstGeom prst="rect">
+                <a:avLst/>
+              </a:prstGeom>
+              <a:noFill/>
+              <a:ln>
+                <a:noFill/>
+              </a:ln>
+              <a:effectLst/>
+              <a:extLst>
+                <a:ext uri="{909E8E84-426E-40DD-AFC4-6F175D3DCCD1}">
+                  <a14:hiddenFill xmlns:a14="http://schemas.microsoft.com/office/drawing/2010/main">
+                    <a:solidFill>
+                      <a:schemeClr val="accent1"/>
+                    </a:solidFill>
+                  </a14:hiddenFill>
+                </a:ext>
+                <a:ext uri="{91240B29-F687-4F45-9708-019B960494DF}">
+                  <a14:hiddenLine xmlns:a14="http://schemas.microsoft.com/office/drawing/2010/main" w="9525">
+                    <a:solidFill>
+                      <a:schemeClr val="tx1"/>
+                    </a:solidFill>
+                    <a:miter lim="800000"/>
+                    <a:headEnd/>
+                    <a:tailEnd/>
+                  </a14:hiddenLine>
+                </a:ext>
+                <a:ext uri="{AF507438-7753-43E0-B8FC-AC1667EBCBE1}">
+                  <a14:hiddenEffects xmlns:a14="http://schemas.microsoft.com/office/drawing/2010/main">
+                    <a:effectLst>
+                      <a:outerShdw dist="35921" dir="2700000" algn="ctr" rotWithShape="0">
+                        <a:schemeClr val="bg2"/>
+                      </a:outerShdw>
+                    </a:effectLst>
+                  </a14:hiddenEffects>
+                </a:ext>
+              </a:extLst>
+            </p:spPr>
+          </p:pic>
+          <p:pic>
+            <p:nvPicPr>
+              <p:cNvPr id="2050" name="Picture 2" descr="Computer Ubuntu Icon Claire Monitor Iconset Prasilarts"/>
+              <p:cNvPicPr>
+                <a:picLocks noChangeAspect="1" noChangeArrowheads="1"/>
+              </p:cNvPicPr>
+              <p:nvPr/>
+            </p:nvPicPr>
+            <p:blipFill>
+              <a:blip r:embed="rId5" cstate="print">
+                <a:extLst>
+                  <a:ext uri="{28A0092B-C50C-407E-A947-70E740481C1C}">
+                    <a14:useLocalDpi xmlns:a14="http://schemas.microsoft.com/office/drawing/2010/main" val="0"/>
+                  </a:ext>
+                </a:extLst>
+              </a:blip>
+              <a:srcRect/>
+              <a:stretch>
+                <a:fillRect/>
+              </a:stretch>
+            </p:blipFill>
+            <p:spPr bwMode="auto">
+              <a:xfrm>
+                <a:off x="1331640" y="2348880"/>
+                <a:ext cx="1439999" cy="1440000"/>
+              </a:xfrm>
+              <a:prstGeom prst="rect">
+                <a:avLst/>
+              </a:prstGeom>
+              <a:noFill/>
+              <a:extLst>
+                <a:ext uri="{909E8E84-426E-40DD-AFC4-6F175D3DCCD1}">
+                  <a14:hiddenFill xmlns:a14="http://schemas.microsoft.com/office/drawing/2010/main">
+                    <a:solidFill>
+                      <a:srgbClr val="FFFFFF"/>
+                    </a:solidFill>
+                  </a14:hiddenFill>
+                </a:ext>
+              </a:extLst>
+            </p:spPr>
+          </p:pic>
+        </p:grpSp>
         <p:sp>
           <p:nvSpPr>
             <p:cNvPr id="17" name="TextBox 16"/>
@@ -12750,7 +13049,7 @@
           </p:nvSpPr>
           <p:spPr>
             <a:xfrm>
-              <a:off x="1117564" y="3284984"/>
+              <a:off x="1300443" y="3645024"/>
               <a:ext cx="1148071" cy="646331"/>
             </a:xfrm>
             <a:prstGeom prst="rect">
@@ -12780,47 +13079,6 @@
             </a:p>
           </p:txBody>
         </p:sp>
-        <p:pic>
-          <p:nvPicPr>
-            <p:cNvPr id="2050" name="Picture 2" descr="Computer Ubuntu Icon Claire Monitor Iconset Prasilarts"/>
-            <p:cNvPicPr>
-              <a:picLocks noChangeAspect="1" noChangeArrowheads="1"/>
-            </p:cNvPicPr>
-            <p:nvPr/>
-          </p:nvPicPr>
-          <p:blipFill>
-            <a:blip r:embed="rId3" cstate="print">
-              <a:extLst>
-                <a:ext uri="{28A0092B-C50C-407E-A947-70E740481C1C}">
-                  <a14:useLocalDpi xmlns:a14="http://schemas.microsoft.com/office/drawing/2010/main" val="0"/>
-                </a:ext>
-              </a:extLst>
-            </a:blip>
-            <a:srcRect/>
-            <a:stretch>
-              <a:fillRect/>
-            </a:stretch>
-          </p:blipFill>
-          <p:spPr bwMode="auto">
-            <a:xfrm>
-              <a:off x="971600" y="1989000"/>
-              <a:ext cx="1439999" cy="1440000"/>
-            </a:xfrm>
-            <a:prstGeom prst="rect">
-              <a:avLst/>
-            </a:prstGeom>
-            <a:noFill/>
-            <a:extLst>
-              <a:ext uri="{909E8E84-426E-40DD-AFC4-6F175D3DCCD1}">
-                <a14:hiddenFill xmlns:a14="http://schemas.microsoft.com/office/drawing/2010/main">
-                  <a:solidFill>
-                    <a:srgbClr val="FFFFFF"/>
-                  </a:solidFill>
-                </a14:hiddenFill>
-              </a:ext>
-            </a:extLst>
-          </p:spPr>
-        </p:pic>
       </p:grpSp>
       <p:pic>
         <p:nvPicPr>
@@ -12831,7 +13089,7 @@
           <p:nvPr/>
         </p:nvPicPr>
         <p:blipFill>
-          <a:blip r:embed="rId4">
+          <a:blip r:embed="rId6">
             <a:extLst>
               <a:ext uri="{28A0092B-C50C-407E-A947-70E740481C1C}">
                 <a14:useLocalDpi xmlns:a14="http://schemas.microsoft.com/office/drawing/2010/main" val="0"/>
@@ -12895,7 +13153,7 @@
           <p:nvPr/>
         </p:nvPicPr>
         <p:blipFill>
-          <a:blip r:embed="rId5">
+          <a:blip r:embed="rId7">
             <a:extLst>
               <a:ext uri="{28A0092B-C50C-407E-A947-70E740481C1C}">
                 <a14:useLocalDpi xmlns:a14="http://schemas.microsoft.com/office/drawing/2010/main" val="0"/>
@@ -13071,6 +13329,123 @@
               <a:t>추가</a:t>
             </a:r>
             <a:endParaRPr lang="en-US" altLang="ko-KR" sz="2400" b="1" dirty="0"/>
+          </a:p>
+        </p:txBody>
+      </p:sp>
+      <p:sp>
+        <p:nvSpPr>
+          <p:cNvPr id="3" name="AutoShape 2" descr="mysql iconì ëí ì´ë¯¸ì§ ê²ìê²°ê³¼"/>
+          <p:cNvSpPr>
+            <a:spLocks noChangeAspect="1" noChangeArrowheads="1"/>
+          </p:cNvSpPr>
+          <p:nvPr/>
+        </p:nvSpPr>
+        <p:spPr bwMode="auto">
+          <a:xfrm>
+            <a:off x="168275" y="-144463"/>
+            <a:ext cx="304800" cy="304801"/>
+          </a:xfrm>
+          <a:prstGeom prst="rect">
+            <a:avLst/>
+          </a:prstGeom>
+          <a:noFill/>
+          <a:extLst>
+            <a:ext uri="{909E8E84-426E-40DD-AFC4-6F175D3DCCD1}">
+              <a14:hiddenFill xmlns:a14="http://schemas.microsoft.com/office/drawing/2010/main">
+                <a:solidFill>
+                  <a:srgbClr val="FFFFFF"/>
+                </a:solidFill>
+              </a14:hiddenFill>
+            </a:ext>
+          </a:extLst>
+        </p:spPr>
+        <p:txBody>
+          <a:bodyPr vert="horz" wrap="square" lIns="91440" tIns="45720" rIns="91440" bIns="45720" numCol="1" anchor="t" anchorCtr="0" compatLnSpc="1">
+            <a:prstTxWarp prst="textNoShape">
+              <a:avLst/>
+            </a:prstTxWarp>
+          </a:bodyPr>
+          <a:lstStyle/>
+          <a:p>
+            <a:endParaRPr lang="ko-KR" altLang="en-US"/>
+          </a:p>
+        </p:txBody>
+      </p:sp>
+      <p:sp>
+        <p:nvSpPr>
+          <p:cNvPr id="7" name="AutoShape 4" descr="mysql iconì ëí ì´ë¯¸ì§ ê²ìê²°ê³¼"/>
+          <p:cNvSpPr>
+            <a:spLocks noChangeAspect="1" noChangeArrowheads="1"/>
+          </p:cNvSpPr>
+          <p:nvPr/>
+        </p:nvSpPr>
+        <p:spPr bwMode="auto">
+          <a:xfrm>
+            <a:off x="320675" y="7937"/>
+            <a:ext cx="304800" cy="304801"/>
+          </a:xfrm>
+          <a:prstGeom prst="rect">
+            <a:avLst/>
+          </a:prstGeom>
+          <a:noFill/>
+          <a:extLst>
+            <a:ext uri="{909E8E84-426E-40DD-AFC4-6F175D3DCCD1}">
+              <a14:hiddenFill xmlns:a14="http://schemas.microsoft.com/office/drawing/2010/main">
+                <a:solidFill>
+                  <a:srgbClr val="FFFFFF"/>
+                </a:solidFill>
+              </a14:hiddenFill>
+            </a:ext>
+          </a:extLst>
+        </p:spPr>
+        <p:txBody>
+          <a:bodyPr vert="horz" wrap="square" lIns="91440" tIns="45720" rIns="91440" bIns="45720" numCol="1" anchor="t" anchorCtr="0" compatLnSpc="1">
+            <a:prstTxWarp prst="textNoShape">
+              <a:avLst/>
+            </a:prstTxWarp>
+          </a:bodyPr>
+          <a:lstStyle/>
+          <a:p>
+            <a:endParaRPr lang="ko-KR" altLang="en-US"/>
+          </a:p>
+        </p:txBody>
+      </p:sp>
+      <p:sp>
+        <p:nvSpPr>
+          <p:cNvPr id="8" name="AutoShape 7" descr="mysql iconì ëí ì´ë¯¸ì§ ê²ìê²°ê³¼"/>
+          <p:cNvSpPr>
+            <a:spLocks noChangeAspect="1" noChangeArrowheads="1"/>
+          </p:cNvSpPr>
+          <p:nvPr/>
+        </p:nvSpPr>
+        <p:spPr bwMode="auto">
+          <a:xfrm>
+            <a:off x="473075" y="160337"/>
+            <a:ext cx="304800" cy="304801"/>
+          </a:xfrm>
+          <a:prstGeom prst="rect">
+            <a:avLst/>
+          </a:prstGeom>
+          <a:noFill/>
+          <a:extLst>
+            <a:ext uri="{909E8E84-426E-40DD-AFC4-6F175D3DCCD1}">
+              <a14:hiddenFill xmlns:a14="http://schemas.microsoft.com/office/drawing/2010/main">
+                <a:solidFill>
+                  <a:srgbClr val="FFFFFF"/>
+                </a:solidFill>
+              </a14:hiddenFill>
+            </a:ext>
+          </a:extLst>
+        </p:spPr>
+        <p:txBody>
+          <a:bodyPr vert="horz" wrap="square" lIns="91440" tIns="45720" rIns="91440" bIns="45720" numCol="1" anchor="t" anchorCtr="0" compatLnSpc="1">
+            <a:prstTxWarp prst="textNoShape">
+              <a:avLst/>
+            </a:prstTxWarp>
+          </a:bodyPr>
+          <a:lstStyle/>
+          <a:p>
+            <a:endParaRPr lang="ko-KR" altLang="en-US"/>
           </a:p>
         </p:txBody>
       </p:sp>

--- a/PPT/5조 발표(5차).pptx
+++ b/PPT/5조 발표(5차).pptx
@@ -217,7 +217,7 @@
           <a:p>
             <a:fld id="{58A31AF8-8D8E-452A-ADA1-78E1E94FF56B}" type="datetimeFigureOut">
               <a:rPr lang="ko-KR" altLang="en-US" smtClean="0"/>
-              <a:t>2019-05-30</a:t>
+              <a:t>2019-06-03</a:t>
             </a:fld>
             <a:endParaRPr lang="ko-KR" altLang="en-US"/>
           </a:p>
@@ -2430,7 +2430,7 @@
           <a:p>
             <a:fld id="{FE2CF7A5-AB7A-4922-816B-9FFE83888108}" type="datetimeFigureOut">
               <a:rPr lang="ko-KR" altLang="en-US" smtClean="0"/>
-              <a:t>2019-05-30</a:t>
+              <a:t>2019-06-03</a:t>
             </a:fld>
             <a:endParaRPr lang="ko-KR" altLang="en-US"/>
           </a:p>
@@ -2600,7 +2600,7 @@
           <a:p>
             <a:fld id="{FE2CF7A5-AB7A-4922-816B-9FFE83888108}" type="datetimeFigureOut">
               <a:rPr lang="ko-KR" altLang="en-US" smtClean="0"/>
-              <a:t>2019-05-30</a:t>
+              <a:t>2019-06-03</a:t>
             </a:fld>
             <a:endParaRPr lang="ko-KR" altLang="en-US"/>
           </a:p>
@@ -2780,7 +2780,7 @@
           <a:p>
             <a:fld id="{FE2CF7A5-AB7A-4922-816B-9FFE83888108}" type="datetimeFigureOut">
               <a:rPr lang="ko-KR" altLang="en-US" smtClean="0"/>
-              <a:t>2019-05-30</a:t>
+              <a:t>2019-06-03</a:t>
             </a:fld>
             <a:endParaRPr lang="ko-KR" altLang="en-US"/>
           </a:p>
@@ -2950,7 +2950,7 @@
           <a:p>
             <a:fld id="{FE2CF7A5-AB7A-4922-816B-9FFE83888108}" type="datetimeFigureOut">
               <a:rPr lang="ko-KR" altLang="en-US" smtClean="0"/>
-              <a:t>2019-05-30</a:t>
+              <a:t>2019-06-03</a:t>
             </a:fld>
             <a:endParaRPr lang="ko-KR" altLang="en-US"/>
           </a:p>
@@ -3196,7 +3196,7 @@
           <a:p>
             <a:fld id="{FE2CF7A5-AB7A-4922-816B-9FFE83888108}" type="datetimeFigureOut">
               <a:rPr lang="ko-KR" altLang="en-US" smtClean="0"/>
-              <a:t>2019-05-30</a:t>
+              <a:t>2019-06-03</a:t>
             </a:fld>
             <a:endParaRPr lang="ko-KR" altLang="en-US"/>
           </a:p>
@@ -3484,7 +3484,7 @@
           <a:p>
             <a:fld id="{FE2CF7A5-AB7A-4922-816B-9FFE83888108}" type="datetimeFigureOut">
               <a:rPr lang="ko-KR" altLang="en-US" smtClean="0"/>
-              <a:t>2019-05-30</a:t>
+              <a:t>2019-06-03</a:t>
             </a:fld>
             <a:endParaRPr lang="ko-KR" altLang="en-US"/>
           </a:p>
@@ -3906,7 +3906,7 @@
           <a:p>
             <a:fld id="{FE2CF7A5-AB7A-4922-816B-9FFE83888108}" type="datetimeFigureOut">
               <a:rPr lang="ko-KR" altLang="en-US" smtClean="0"/>
-              <a:t>2019-05-30</a:t>
+              <a:t>2019-06-03</a:t>
             </a:fld>
             <a:endParaRPr lang="ko-KR" altLang="en-US"/>
           </a:p>
@@ -4024,7 +4024,7 @@
           <a:p>
             <a:fld id="{FE2CF7A5-AB7A-4922-816B-9FFE83888108}" type="datetimeFigureOut">
               <a:rPr lang="ko-KR" altLang="en-US" smtClean="0"/>
-              <a:t>2019-05-30</a:t>
+              <a:t>2019-06-03</a:t>
             </a:fld>
             <a:endParaRPr lang="ko-KR" altLang="en-US"/>
           </a:p>
@@ -4119,7 +4119,7 @@
           <a:p>
             <a:fld id="{FE2CF7A5-AB7A-4922-816B-9FFE83888108}" type="datetimeFigureOut">
               <a:rPr lang="ko-KR" altLang="en-US" smtClean="0"/>
-              <a:t>2019-05-30</a:t>
+              <a:t>2019-06-03</a:t>
             </a:fld>
             <a:endParaRPr lang="ko-KR" altLang="en-US"/>
           </a:p>
@@ -4396,7 +4396,7 @@
           <a:p>
             <a:fld id="{FE2CF7A5-AB7A-4922-816B-9FFE83888108}" type="datetimeFigureOut">
               <a:rPr lang="ko-KR" altLang="en-US" smtClean="0"/>
-              <a:t>2019-05-30</a:t>
+              <a:t>2019-06-03</a:t>
             </a:fld>
             <a:endParaRPr lang="ko-KR" altLang="en-US"/>
           </a:p>
@@ -4649,7 +4649,7 @@
           <a:p>
             <a:fld id="{FE2CF7A5-AB7A-4922-816B-9FFE83888108}" type="datetimeFigureOut">
               <a:rPr lang="ko-KR" altLang="en-US" smtClean="0"/>
-              <a:t>2019-05-30</a:t>
+              <a:t>2019-06-03</a:t>
             </a:fld>
             <a:endParaRPr lang="ko-KR" altLang="en-US"/>
           </a:p>
@@ -4862,7 +4862,7 @@
           <a:p>
             <a:fld id="{FE2CF7A5-AB7A-4922-816B-9FFE83888108}" type="datetimeFigureOut">
               <a:rPr lang="ko-KR" altLang="en-US" smtClean="0"/>
-              <a:t>2019-05-30</a:t>
+              <a:t>2019-06-03</a:t>
             </a:fld>
             <a:endParaRPr lang="ko-KR" altLang="en-US"/>
           </a:p>
@@ -7698,7 +7698,7 @@
         <p:spPr>
           <a:xfrm>
             <a:off x="251520" y="1700808"/>
-            <a:ext cx="8640960" cy="3970318"/>
+            <a:ext cx="8640960" cy="3416320"/>
           </a:xfrm>
           <a:prstGeom prst="rect">
             <a:avLst/>
@@ -7794,8 +7794,19 @@
                 <a:latin typeface="+mj-ea"/>
                 <a:ea typeface="+mj-ea"/>
               </a:rPr>
-              <a:t>Board error</a:t>
-            </a:r>
+              <a:t>AP </a:t>
+            </a:r>
+            <a:r>
+              <a:rPr lang="ko-KR" altLang="en-US" sz="2400" b="1" dirty="0" smtClean="0">
+                <a:latin typeface="+mj-ea"/>
+                <a:ea typeface="+mj-ea"/>
+              </a:rPr>
+              <a:t>공격</a:t>
+            </a:r>
+            <a:endParaRPr lang="en-US" altLang="ko-KR" sz="2400" b="1" dirty="0" smtClean="0">
+              <a:latin typeface="+mj-ea"/>
+              <a:ea typeface="+mj-ea"/>
+            </a:endParaRPr>
           </a:p>
           <a:p>
             <a:pPr marL="514350" indent="-514350" algn="just">
@@ -7806,11 +7817,18 @@
               <a:defRPr/>
             </a:pPr>
             <a:r>
+              <a:rPr lang="en-US" altLang="ko-KR" sz="2400" b="1" dirty="0" err="1" smtClean="0">
+                <a:latin typeface="+mj-ea"/>
+                <a:ea typeface="+mj-ea"/>
+              </a:rPr>
+              <a:t>DDoS</a:t>
+            </a:r>
+            <a:r>
               <a:rPr lang="en-US" altLang="ko-KR" sz="2400" b="1" dirty="0" smtClean="0">
                 <a:latin typeface="+mj-ea"/>
                 <a:ea typeface="+mj-ea"/>
               </a:rPr>
-              <a:t>AP </a:t>
+              <a:t> </a:t>
             </a:r>
             <a:r>
               <a:rPr lang="ko-KR" altLang="en-US" sz="2400" b="1" dirty="0" smtClean="0">
@@ -7819,9 +7837,8 @@
               </a:rPr>
               <a:t>공격</a:t>
             </a:r>
-            <a:endParaRPr lang="en-US" altLang="ko-KR" sz="2400" b="1" dirty="0" smtClean="0">
+            <a:endParaRPr lang="en-US" altLang="ko-KR" b="1" dirty="0">
               <a:latin typeface="+mj-ea"/>
-              <a:ea typeface="+mj-ea"/>
             </a:endParaRPr>
           </a:p>
           <a:p>
@@ -7833,45 +7850,16 @@
               <a:defRPr/>
             </a:pPr>
             <a:r>
-              <a:rPr lang="en-US" altLang="ko-KR" sz="2400" b="1" dirty="0" err="1" smtClean="0">
-                <a:latin typeface="+mj-ea"/>
-                <a:ea typeface="+mj-ea"/>
-              </a:rPr>
-              <a:t>DDoS</a:t>
-            </a:r>
-            <a:r>
               <a:rPr lang="en-US" altLang="ko-KR" sz="2400" b="1" dirty="0" smtClean="0">
                 <a:latin typeface="+mj-ea"/>
                 <a:ea typeface="+mj-ea"/>
               </a:rPr>
-              <a:t> </a:t>
-            </a:r>
-            <a:r>
-              <a:rPr lang="ko-KR" altLang="en-US" sz="2400" b="1" dirty="0" smtClean="0">
-                <a:latin typeface="+mj-ea"/>
-                <a:ea typeface="+mj-ea"/>
-              </a:rPr>
-              <a:t>공격</a:t>
-            </a:r>
-            <a:endParaRPr lang="en-US" altLang="ko-KR" b="1" dirty="0">
+              <a:t>Sniffing /  Snooping / spoofing</a:t>
+            </a:r>
+            <a:endParaRPr lang="en-US" altLang="ko-KR" sz="2400" b="1" dirty="0" smtClean="0">
               <a:latin typeface="+mj-ea"/>
+              <a:ea typeface="+mj-ea"/>
             </a:endParaRPr>
-          </a:p>
-          <a:p>
-            <a:pPr marL="514350" indent="-514350" algn="just">
-              <a:lnSpc>
-                <a:spcPct val="150000"/>
-              </a:lnSpc>
-              <a:buAutoNum type="arabicPeriod"/>
-              <a:defRPr/>
-            </a:pPr>
-            <a:r>
-              <a:rPr lang="en-US" altLang="ko-KR" sz="2400" b="1" dirty="0" smtClean="0">
-                <a:latin typeface="+mj-ea"/>
-                <a:ea typeface="+mj-ea"/>
-              </a:rPr>
-              <a:t>Sniffing</a:t>
-            </a:r>
           </a:p>
         </p:txBody>
       </p:sp>
